--- a/Document-Templates/BG-IT-Edu-PowerPoint-Template-Sept-2023.pptx
+++ b/Document-Templates/BG-IT-Edu-PowerPoint-Template-Sept-2023.pptx
@@ -285,7 +285,7 @@
           <a:p>
             <a:fld id="{4E087215-0C8F-4762-A664-737A353EC9A4}" type="datetimeFigureOut">
               <a:rPr lang="bg-BG" smtClean="0"/>
-              <a:t>8.9.2023 г.</a:t>
+              <a:t>22.9.2023 г.</a:t>
             </a:fld>
             <a:endParaRPr lang="bg-BG"/>
           </a:p>
@@ -481,7 +481,7 @@
           <a:p>
             <a:fld id="{72D84649-876A-46C9-8472-14CB09C070D8}" type="datetimeFigureOut">
               <a:rPr lang="en-US" smtClean="0"/>
-              <a:t>8-Sep-23</a:t>
+              <a:t>22-Sep-23</a:t>
             </a:fld>
             <a:endParaRPr lang="en-US"/>
           </a:p>
@@ -10943,6 +10943,42 @@
           </a:p>
         </p:txBody>
       </p:sp>
+      <p:pic>
+        <p:nvPicPr>
+          <p:cNvPr id="7" name="Picture 6" descr="A green and blue rectangle with white text&#10;&#10;Description automatically generated">
+            <a:extLst>
+              <a:ext uri="{FF2B5EF4-FFF2-40B4-BE49-F238E27FC236}">
+                <a16:creationId xmlns:a16="http://schemas.microsoft.com/office/drawing/2014/main" id="{09C89CDB-9A69-7B24-74E6-10BF87DE1C22}"/>
+              </a:ext>
+            </a:extLst>
+          </p:cNvPr>
+          <p:cNvPicPr>
+            <a:picLocks noChangeAspect="1"/>
+          </p:cNvPicPr>
+          <p:nvPr/>
+        </p:nvPicPr>
+        <p:blipFill>
+          <a:blip r:embed="rId5">
+            <a:extLst>
+              <a:ext uri="{28A0092B-C50C-407E-A947-70E740481C1C}">
+                <a14:useLocalDpi xmlns:a14="http://schemas.microsoft.com/office/drawing/2010/main" val="0"/>
+              </a:ext>
+            </a:extLst>
+          </a:blip>
+          <a:stretch>
+            <a:fillRect/>
+          </a:stretch>
+        </p:blipFill>
+        <p:spPr>
+          <a:xfrm>
+            <a:off x="532162" y="2981279"/>
+            <a:ext cx="1977650" cy="998773"/>
+          </a:xfrm>
+          <a:prstGeom prst="rect">
+            <a:avLst/>
+          </a:prstGeom>
+        </p:spPr>
+      </p:pic>
     </p:spTree>
     <p:extLst>
       <p:ext uri="{BB962C8B-B14F-4D97-AF65-F5344CB8AC3E}">
@@ -24166,9 +24202,6 @@
             <a:off x="11753030" y="6507000"/>
             <a:ext cx="367414" cy="297000"/>
           </a:xfrm>
-          <a:prstGeom prst="rect">
-            <a:avLst/>
-          </a:prstGeom>
         </p:spPr>
         <p:txBody>
           <a:bodyPr vert="horz" lIns="91440" tIns="45720" rIns="91440" bIns="45720" rtlCol="0" anchor="b"/>
@@ -24203,55 +24236,31 @@
             <p:ph type="body" sz="quarter" idx="10"/>
           </p:nvPr>
         </p:nvSpPr>
-        <p:spPr/>
+        <p:spPr>
+          <a:xfrm>
+            <a:off x="190402" y="1196125"/>
+            <a:ext cx="11818096" cy="5528766"/>
+          </a:xfrm>
+        </p:spPr>
         <p:txBody>
           <a:bodyPr/>
           <a:lstStyle/>
           <a:p>
-            <a:pPr>
-              <a:lnSpc>
-                <a:spcPct val="100000"/>
-              </a:lnSpc>
-            </a:pPr>
             <a:r>
               <a:rPr lang="bg-BG" dirty="0"/>
-              <a:t>Кратко описание на </a:t>
-            </a:r>
-            <a:r>
-              <a:rPr lang="bg-BG" b="1" dirty="0">
-                <a:solidFill>
-                  <a:schemeClr val="bg1"/>
-                </a:solidFill>
-              </a:rPr>
-              <a:t>темата от този слайд</a:t>
-            </a:r>
-            <a:endParaRPr lang="en-US" b="1" dirty="0">
-              <a:solidFill>
-                <a:schemeClr val="bg1"/>
-              </a:solidFill>
-            </a:endParaRPr>
-          </a:p>
-          <a:p>
-            <a:pPr lvl="1">
-              <a:lnSpc>
-                <a:spcPct val="100000"/>
-              </a:lnSpc>
-            </a:pPr>
+              <a:t>Кратко описание на темата от този слайд</a:t>
+            </a:r>
+            <a:endParaRPr lang="en-US" dirty="0"/>
+          </a:p>
+          <a:p>
+            <a:pPr lvl="1"/>
             <a:r>
               <a:rPr lang="bg-BG" dirty="0"/>
               <a:t>Клас </a:t>
             </a:r>
             <a:r>
-              <a:rPr lang="en-US" b="1" dirty="0">
-                <a:solidFill>
-                  <a:schemeClr val="bg1"/>
-                </a:solidFill>
-              </a:rPr>
-              <a:t>Set</a:t>
-            </a:r>
-            <a:r>
               <a:rPr lang="en-US" dirty="0"/>
-              <a:t> </a:t>
+              <a:t>Set </a:t>
             </a:r>
             <a:r>
               <a:rPr lang="bg-BG" dirty="0"/>
@@ -24264,6 +24273,34 @@
             <a:r>
               <a:rPr lang="bg-BG" dirty="0"/>
               <a:t>пример:</a:t>
+            </a:r>
+            <a:endParaRPr lang="en-US" dirty="0"/>
+          </a:p>
+        </p:txBody>
+      </p:sp>
+      <p:sp>
+        <p:nvSpPr>
+          <p:cNvPr id="4" name="Slide Title"/>
+          <p:cNvSpPr>
+            <a:spLocks noGrp="1"/>
+          </p:cNvSpPr>
+          <p:nvPr>
+            <p:ph type="title"/>
+          </p:nvPr>
+        </p:nvSpPr>
+        <p:spPr>
+          <a:xfrm>
+            <a:off x="190406" y="100750"/>
+            <a:ext cx="10270594" cy="882654"/>
+          </a:xfrm>
+        </p:spPr>
+        <p:txBody>
+          <a:bodyPr/>
+          <a:lstStyle/>
+          <a:p>
+            <a:r>
+              <a:rPr lang="bg-BG" dirty="0"/>
+              <a:t>Стандартен слайд: малко текст + код</a:t>
             </a:r>
             <a:endParaRPr lang="en-US" dirty="0"/>
           </a:p>
@@ -24656,29 +24693,6 @@
           </a:effectLst>
         </p:spPr>
       </p:pic>
-      <p:sp>
-        <p:nvSpPr>
-          <p:cNvPr id="4" name="Slide Title"/>
-          <p:cNvSpPr>
-            <a:spLocks noGrp="1"/>
-          </p:cNvSpPr>
-          <p:nvPr>
-            <p:ph type="title"/>
-          </p:nvPr>
-        </p:nvSpPr>
-        <p:spPr/>
-        <p:txBody>
-          <a:bodyPr/>
-          <a:lstStyle/>
-          <a:p>
-            <a:r>
-              <a:rPr lang="bg-BG" dirty="0"/>
-              <a:t>Стандартен слайд: малко текст + код</a:t>
-            </a:r>
-            <a:endParaRPr lang="en-US" dirty="0"/>
-          </a:p>
-        </p:txBody>
-      </p:sp>
     </p:spTree>
     <p:extLst>
       <p:ext uri="{BB962C8B-B14F-4D97-AF65-F5344CB8AC3E}">
